--- a/Team18_Portfolio_Manager_Slides.pptx
+++ b/Team18_Portfolio_Manager_Slides.pptx
@@ -4695,7 +4695,6 @@
               <a:rPr lang="en-US" sz="1600" dirty="0"/>
               <a:t>Generated by Spring JPA at runtime</a:t>
             </a:r>
-            <a:endParaRPr lang="en-US" dirty="0"/>
           </a:p>
           <a:p>
             <a:endParaRPr lang="en-US" dirty="0"/>
@@ -4948,7 +4947,7 @@
               </a:spcAft>
             </a:pPr>
             <a:r>
-              <a:rPr lang="en-US" sz="3600" b="1" kern="1200">
+              <a:rPr lang="en-US" sz="3600" b="1" kern="1200" dirty="0">
                 <a:solidFill>
                   <a:srgbClr val="FFFFFF"/>
                 </a:solidFill>
@@ -4958,14 +4957,6 @@
               </a:rPr>
               <a:t>Data Model</a:t>
             </a:r>
-            <a:endParaRPr lang="en-US" sz="3600" b="1" kern="1200" dirty="0">
-              <a:solidFill>
-                <a:srgbClr val="FFFFFF"/>
-              </a:solidFill>
-              <a:latin typeface="+mj-lt"/>
-              <a:ea typeface="+mj-ea"/>
-              <a:cs typeface="+mj-cs"/>
-            </a:endParaRPr>
           </a:p>
         </p:txBody>
       </p:sp>
